--- a/Plantilla Poster-A2.es.pptx
+++ b/Plantilla Poster-A2.es.pptx
@@ -254,7 +254,7 @@
           <a:p>
             <a:fld id="{DE1BD9EB-212A-40CF-9FFB-9DD29D2DAEA0}" type="datetimeFigureOut">
               <a:rPr lang="en-AU" smtClean="0"/>
-              <a:t>2/03/2020</a:t>
+              <a:t>3/03/2020</a:t>
             </a:fld>
             <a:endParaRPr lang="en-AU"/>
           </a:p>
@@ -424,7 +424,7 @@
           <a:p>
             <a:fld id="{DE1BD9EB-212A-40CF-9FFB-9DD29D2DAEA0}" type="datetimeFigureOut">
               <a:rPr lang="en-AU" smtClean="0"/>
-              <a:t>2/03/2020</a:t>
+              <a:t>3/03/2020</a:t>
             </a:fld>
             <a:endParaRPr lang="en-AU"/>
           </a:p>
@@ -604,7 +604,7 @@
           <a:p>
             <a:fld id="{DE1BD9EB-212A-40CF-9FFB-9DD29D2DAEA0}" type="datetimeFigureOut">
               <a:rPr lang="en-AU" smtClean="0"/>
-              <a:t>2/03/2020</a:t>
+              <a:t>3/03/2020</a:t>
             </a:fld>
             <a:endParaRPr lang="en-AU"/>
           </a:p>
@@ -735,7 +735,7 @@
           <a:p>
             <a:fld id="{DE1BD9EB-212A-40CF-9FFB-9DD29D2DAEA0}" type="datetimeFigureOut">
               <a:rPr lang="en-AU" smtClean="0"/>
-              <a:t>2/03/2020</a:t>
+              <a:t>3/03/2020</a:t>
             </a:fld>
             <a:endParaRPr lang="en-AU"/>
           </a:p>
@@ -1217,7 +1217,7 @@
           <a:p>
             <a:fld id="{DE1BD9EB-212A-40CF-9FFB-9DD29D2DAEA0}" type="datetimeFigureOut">
               <a:rPr lang="en-AU" smtClean="0"/>
-              <a:t>2/03/2020</a:t>
+              <a:t>3/03/2020</a:t>
             </a:fld>
             <a:endParaRPr lang="en-AU"/>
           </a:p>
@@ -1678,7 +1678,7 @@
           <a:p>
             <a:fld id="{DE1BD9EB-212A-40CF-9FFB-9DD29D2DAEA0}" type="datetimeFigureOut">
               <a:rPr lang="en-AU" smtClean="0"/>
-              <a:t>2/03/2020</a:t>
+              <a:t>3/03/2020</a:t>
             </a:fld>
             <a:endParaRPr lang="en-AU"/>
           </a:p>
@@ -1922,7 +1922,7 @@
           <a:p>
             <a:fld id="{DE1BD9EB-212A-40CF-9FFB-9DD29D2DAEA0}" type="datetimeFigureOut">
               <a:rPr lang="en-AU" smtClean="0"/>
-              <a:t>2/03/2020</a:t>
+              <a:t>3/03/2020</a:t>
             </a:fld>
             <a:endParaRPr lang="en-AU"/>
           </a:p>
@@ -2154,7 +2154,7 @@
           <a:p>
             <a:fld id="{DE1BD9EB-212A-40CF-9FFB-9DD29D2DAEA0}" type="datetimeFigureOut">
               <a:rPr lang="en-AU" smtClean="0"/>
-              <a:t>2/03/2020</a:t>
+              <a:t>3/03/2020</a:t>
             </a:fld>
             <a:endParaRPr lang="en-AU"/>
           </a:p>
@@ -2521,7 +2521,7 @@
           <a:p>
             <a:fld id="{DE1BD9EB-212A-40CF-9FFB-9DD29D2DAEA0}" type="datetimeFigureOut">
               <a:rPr lang="en-AU" smtClean="0"/>
-              <a:t>2/03/2020</a:t>
+              <a:t>3/03/2020</a:t>
             </a:fld>
             <a:endParaRPr lang="en-AU"/>
           </a:p>
@@ -2639,7 +2639,7 @@
           <a:p>
             <a:fld id="{DE1BD9EB-212A-40CF-9FFB-9DD29D2DAEA0}" type="datetimeFigureOut">
               <a:rPr lang="en-AU" smtClean="0"/>
-              <a:t>2/03/2020</a:t>
+              <a:t>3/03/2020</a:t>
             </a:fld>
             <a:endParaRPr lang="en-AU"/>
           </a:p>
@@ -2734,7 +2734,7 @@
           <a:p>
             <a:fld id="{DE1BD9EB-212A-40CF-9FFB-9DD29D2DAEA0}" type="datetimeFigureOut">
               <a:rPr lang="en-AU" smtClean="0"/>
-              <a:t>2/03/2020</a:t>
+              <a:t>3/03/2020</a:t>
             </a:fld>
             <a:endParaRPr lang="en-AU"/>
           </a:p>
@@ -3011,7 +3011,7 @@
           <a:p>
             <a:fld id="{DE1BD9EB-212A-40CF-9FFB-9DD29D2DAEA0}" type="datetimeFigureOut">
               <a:rPr lang="en-AU" smtClean="0"/>
-              <a:t>2/03/2020</a:t>
+              <a:t>3/03/2020</a:t>
             </a:fld>
             <a:endParaRPr lang="en-AU"/>
           </a:p>
@@ -3268,7 +3268,7 @@
           <a:p>
             <a:fld id="{DE1BD9EB-212A-40CF-9FFB-9DD29D2DAEA0}" type="datetimeFigureOut">
               <a:rPr lang="en-AU" smtClean="0"/>
-              <a:t>2/03/2020</a:t>
+              <a:t>3/03/2020</a:t>
             </a:fld>
             <a:endParaRPr lang="en-AU"/>
           </a:p>
@@ -3481,7 +3481,7 @@
           <a:p>
             <a:fld id="{DE1BD9EB-212A-40CF-9FFB-9DD29D2DAEA0}" type="datetimeFigureOut">
               <a:rPr lang="en-AU" smtClean="0"/>
-              <a:t>2/03/2020</a:t>
+              <a:t>3/03/2020</a:t>
             </a:fld>
             <a:endParaRPr lang="en-AU"/>
           </a:p>
@@ -4329,7 +4329,7 @@
         </p:nvSpPr>
         <p:spPr>
           <a:xfrm>
-            <a:off x="11131729" y="20776450"/>
+            <a:off x="11145611" y="20228320"/>
             <a:ext cx="3725232" cy="681063"/>
           </a:xfrm>
         </p:spPr>
@@ -4779,7 +4779,7 @@
         <p:spPr>
           <a:xfrm>
             <a:off x="260031" y="2547859"/>
-            <a:ext cx="14579207" cy="3139321"/>
+            <a:ext cx="14579207" cy="3024000"/>
           </a:xfrm>
           <a:prstGeom prst="rect">
             <a:avLst/>
@@ -4799,7 +4799,7 @@
           <a:p>
             <a:pPr algn="just"/>
             <a:r>
-              <a:rPr lang="es-EC" sz="1800" b="1" dirty="0">
+              <a:rPr lang="es-EC" sz="1900" b="1" dirty="0">
                 <a:latin typeface="Times New Roman" panose="02020603050405020304" pitchFamily="18" charset="0"/>
                 <a:cs typeface="Times New Roman" panose="02020603050405020304" pitchFamily="18" charset="0"/>
               </a:rPr>
@@ -4809,201 +4809,208 @@
           <a:p>
             <a:pPr algn="just"/>
             <a:r>
-              <a:rPr lang="es-EC" sz="2000" i="1" dirty="0">
+              <a:rPr lang="es-EC" sz="1900" i="1" dirty="0">
                 <a:latin typeface="Times New Roman" panose="02020603050405020304" pitchFamily="18" charset="0"/>
                 <a:cs typeface="Times New Roman" panose="02020603050405020304" pitchFamily="18" charset="0"/>
               </a:rPr>
-              <a:t>En el presente proyecto </a:t>
-            </a:r>
-            <a:r>
-              <a:rPr lang="es-EC" sz="2000" i="1">
-                <a:latin typeface="Times New Roman" panose="02020603050405020304" pitchFamily="18" charset="0"/>
-                <a:cs typeface="Times New Roman" panose="02020603050405020304" pitchFamily="18" charset="0"/>
-              </a:rPr>
-              <a:t>se aplicó </a:t>
-            </a:r>
-            <a:r>
-              <a:rPr lang="es-EC" sz="2000" i="1" dirty="0">
-                <a:latin typeface="Times New Roman" panose="02020603050405020304" pitchFamily="18" charset="0"/>
-                <a:cs typeface="Times New Roman" panose="02020603050405020304" pitchFamily="18" charset="0"/>
-              </a:rPr>
-              <a:t>3 algoritmos de clasificación supervisados: </a:t>
-            </a:r>
-            <a:r>
-              <a:rPr lang="es-EC" sz="2000" b="1" i="1" dirty="0" err="1">
+              <a:t>En el presente proyecto se aplicó 3 algoritmos de Aprendizaje Supervisado (Clasificación): </a:t>
+            </a:r>
+            <a:r>
+              <a:rPr lang="es-EC" sz="1900" b="1" i="1" dirty="0" err="1">
                 <a:latin typeface="Times New Roman" panose="02020603050405020304" pitchFamily="18" charset="0"/>
                 <a:cs typeface="Times New Roman" panose="02020603050405020304" pitchFamily="18" charset="0"/>
               </a:rPr>
               <a:t>RandomTree</a:t>
             </a:r>
             <a:r>
-              <a:rPr lang="es-EC" sz="2000" b="1" i="1" dirty="0">
+              <a:rPr lang="es-EC" sz="1900" b="1" i="1" dirty="0">
                 <a:latin typeface="Times New Roman" panose="02020603050405020304" pitchFamily="18" charset="0"/>
                 <a:cs typeface="Times New Roman" panose="02020603050405020304" pitchFamily="18" charset="0"/>
               </a:rPr>
               <a:t>, </a:t>
             </a:r>
             <a:r>
-              <a:rPr lang="es-EC" sz="2000" b="1" i="1" dirty="0" err="1">
+              <a:rPr lang="es-EC" sz="1900" b="1" i="1" dirty="0" err="1">
                 <a:latin typeface="Times New Roman" panose="02020603050405020304" pitchFamily="18" charset="0"/>
                 <a:cs typeface="Times New Roman" panose="02020603050405020304" pitchFamily="18" charset="0"/>
               </a:rPr>
               <a:t>RandomForest</a:t>
             </a:r>
             <a:r>
-              <a:rPr lang="es-EC" sz="2000" b="1" i="1" dirty="0">
+              <a:rPr lang="es-EC" sz="1900" b="1" i="1" dirty="0">
                 <a:latin typeface="Times New Roman" panose="02020603050405020304" pitchFamily="18" charset="0"/>
                 <a:cs typeface="Times New Roman" panose="02020603050405020304" pitchFamily="18" charset="0"/>
               </a:rPr>
               <a:t>, J48</a:t>
             </a:r>
             <a:r>
-              <a:rPr lang="es-EC" sz="2000" i="1" dirty="0">
+              <a:rPr lang="es-EC" sz="1900" i="1" dirty="0">
                 <a:latin typeface="Times New Roman" panose="02020603050405020304" pitchFamily="18" charset="0"/>
                 <a:cs typeface="Times New Roman" panose="02020603050405020304" pitchFamily="18" charset="0"/>
               </a:rPr>
-              <a:t>, con el fin de predecir el tipo de enfermedad que causa las defunciones fetales para el año 2020, también se aplicó algoritmos de aprendizaje no supervisado: </a:t>
-            </a:r>
-            <a:r>
-              <a:rPr lang="es-EC" sz="2000" i="1" dirty="0" err="1">
+              <a:t>, con el fin de predecir la principal causa que ocasiona las defunciones fetales en el año 2020, también se utilizó algoritmos de Aprendizaje No Supervisado: </a:t>
+            </a:r>
+            <a:r>
+              <a:rPr lang="es-EC" sz="1900" b="1" i="1" dirty="0" err="1">
                 <a:latin typeface="Times New Roman" panose="02020603050405020304" pitchFamily="18" charset="0"/>
                 <a:cs typeface="Times New Roman" panose="02020603050405020304" pitchFamily="18" charset="0"/>
               </a:rPr>
               <a:t>Clustering</a:t>
             </a:r>
             <a:r>
-              <a:rPr lang="es-EC" sz="2000" i="1" dirty="0">
+              <a:rPr lang="es-EC" sz="1900" i="1" dirty="0">
                 <a:latin typeface="Times New Roman" panose="02020603050405020304" pitchFamily="18" charset="0"/>
                 <a:cs typeface="Times New Roman" panose="02020603050405020304" pitchFamily="18" charset="0"/>
               </a:rPr>
               <a:t> (</a:t>
             </a:r>
             <a:r>
-              <a:rPr lang="es-EC" sz="2000" i="1" dirty="0" err="1">
+              <a:rPr lang="es-EC" sz="1900" i="1" dirty="0" err="1">
                 <a:latin typeface="Times New Roman" panose="02020603050405020304" pitchFamily="18" charset="0"/>
                 <a:cs typeface="Times New Roman" panose="02020603050405020304" pitchFamily="18" charset="0"/>
               </a:rPr>
               <a:t>SimpleKMeans</a:t>
             </a:r>
             <a:r>
-              <a:rPr lang="es-EC" sz="2000" i="1" dirty="0">
+              <a:rPr lang="es-EC" sz="1900" i="1" dirty="0">
                 <a:latin typeface="Times New Roman" panose="02020603050405020304" pitchFamily="18" charset="0"/>
                 <a:cs typeface="Times New Roman" panose="02020603050405020304" pitchFamily="18" charset="0"/>
               </a:rPr>
-              <a:t>) para que, de acuerdo a ciertas características, agrupar a que tipo de enfermedad es más probable que se ocasionen las defunciones fetales, y Reglas de Asociación (</a:t>
-            </a:r>
-            <a:r>
-              <a:rPr lang="es-EC" sz="2000" i="1" dirty="0" err="1">
+              <a:t>), para agrupar a la enfermedad más probable que ocasiona las defunciones fetales de acuerdo a características comunes, y </a:t>
+            </a:r>
+            <a:r>
+              <a:rPr lang="es-EC" sz="1900" b="1" i="1" dirty="0">
+                <a:latin typeface="Times New Roman" panose="02020603050405020304" pitchFamily="18" charset="0"/>
+                <a:cs typeface="Times New Roman" panose="02020603050405020304" pitchFamily="18" charset="0"/>
+              </a:rPr>
+              <a:t>Reglas de Asociación </a:t>
+            </a:r>
+            <a:r>
+              <a:rPr lang="es-EC" sz="1900" i="1" dirty="0">
+                <a:latin typeface="Times New Roman" panose="02020603050405020304" pitchFamily="18" charset="0"/>
+                <a:cs typeface="Times New Roman" panose="02020603050405020304" pitchFamily="18" charset="0"/>
+              </a:rPr>
+              <a:t>(</a:t>
+            </a:r>
+            <a:r>
+              <a:rPr lang="es-EC" sz="1900" i="1" dirty="0" err="1">
                 <a:latin typeface="Times New Roman" panose="02020603050405020304" pitchFamily="18" charset="0"/>
                 <a:cs typeface="Times New Roman" panose="02020603050405020304" pitchFamily="18" charset="0"/>
               </a:rPr>
               <a:t>Apriori</a:t>
             </a:r>
             <a:r>
-              <a:rPr lang="es-EC" sz="2000" i="1" dirty="0">
+              <a:rPr lang="es-EC" sz="1900" i="1" dirty="0">
                 <a:latin typeface="Times New Roman" panose="02020603050405020304" pitchFamily="18" charset="0"/>
                 <a:cs typeface="Times New Roman" panose="02020603050405020304" pitchFamily="18" charset="0"/>
               </a:rPr>
-              <a:t>) para obtener reglas en base al conjunto de datos que ayuden a la toma de decisiones, en los diagnósticos médicos, por ejemplo. Para ello se realizó un proceso de </a:t>
-            </a:r>
-            <a:r>
-              <a:rPr lang="es-EC" sz="2000" b="1" i="1" dirty="0">
+              <a:t>) para obtener reglas en base al conjunto de datos que ayuden a la toma de decisiones, por ejemplo en diagnósticos médicos. Para ello se realizó un proceso de </a:t>
+            </a:r>
+            <a:r>
+              <a:rPr lang="es-EC" sz="1900" b="1" i="1" dirty="0">
                 <a:latin typeface="Times New Roman" panose="02020603050405020304" pitchFamily="18" charset="0"/>
                 <a:cs typeface="Times New Roman" panose="02020603050405020304" pitchFamily="18" charset="0"/>
               </a:rPr>
               <a:t>definición del problema</a:t>
             </a:r>
             <a:r>
-              <a:rPr lang="es-EC" sz="2000" i="1" dirty="0">
+              <a:rPr lang="es-EC" sz="1900" i="1" dirty="0">
                 <a:latin typeface="Times New Roman" panose="02020603050405020304" pitchFamily="18" charset="0"/>
                 <a:cs typeface="Times New Roman" panose="02020603050405020304" pitchFamily="18" charset="0"/>
               </a:rPr>
               <a:t>, </a:t>
             </a:r>
             <a:r>
-              <a:rPr lang="es-EC" sz="2000" b="1" i="1" dirty="0">
+              <a:rPr lang="es-EC" sz="1900" b="1" i="1" dirty="0">
                 <a:latin typeface="Times New Roman" panose="02020603050405020304" pitchFamily="18" charset="0"/>
                 <a:cs typeface="Times New Roman" panose="02020603050405020304" pitchFamily="18" charset="0"/>
               </a:rPr>
               <a:t>recopilación de datos </a:t>
             </a:r>
             <a:r>
-              <a:rPr lang="es-EC" sz="2000" i="1" dirty="0">
+              <a:rPr lang="es-EC" sz="1900" i="1" dirty="0">
                 <a:latin typeface="Times New Roman" panose="02020603050405020304" pitchFamily="18" charset="0"/>
                 <a:cs typeface="Times New Roman" panose="02020603050405020304" pitchFamily="18" charset="0"/>
               </a:rPr>
               <a:t>(obtenidos del Banco de Datos Abiertos del INEC, se descargó archivos .</a:t>
             </a:r>
             <a:r>
-              <a:rPr lang="es-EC" sz="2000" i="1" dirty="0" err="1">
+              <a:rPr lang="es-EC" sz="1900" i="1" dirty="0" err="1">
                 <a:latin typeface="Times New Roman" panose="02020603050405020304" pitchFamily="18" charset="0"/>
                 <a:cs typeface="Times New Roman" panose="02020603050405020304" pitchFamily="18" charset="0"/>
               </a:rPr>
               <a:t>csv</a:t>
             </a:r>
             <a:r>
-              <a:rPr lang="es-EC" sz="2000" i="1" dirty="0">
+              <a:rPr lang="es-EC" sz="1900" i="1" dirty="0">
                 <a:latin typeface="Times New Roman" panose="02020603050405020304" pitchFamily="18" charset="0"/>
                 <a:cs typeface="Times New Roman" panose="02020603050405020304" pitchFamily="18" charset="0"/>
               </a:rPr>
               <a:t> de años 2015-2018), </a:t>
             </a:r>
             <a:r>
-              <a:rPr lang="es-EC" sz="2000" b="1" i="1" dirty="0">
+              <a:rPr lang="es-EC" sz="1900" b="1" i="1" dirty="0">
                 <a:latin typeface="Times New Roman" panose="02020603050405020304" pitchFamily="18" charset="0"/>
                 <a:cs typeface="Times New Roman" panose="02020603050405020304" pitchFamily="18" charset="0"/>
               </a:rPr>
               <a:t>preparación de los datos </a:t>
             </a:r>
             <a:r>
-              <a:rPr lang="es-EC" sz="2000" i="1" dirty="0">
+              <a:rPr lang="es-EC" sz="1900" i="1" dirty="0">
                 <a:latin typeface="Times New Roman" panose="02020603050405020304" pitchFamily="18" charset="0"/>
                 <a:cs typeface="Times New Roman" panose="02020603050405020304" pitchFamily="18" charset="0"/>
               </a:rPr>
               <a:t>(se eliminó tildes, caracteres especiales, datos atípicos), </a:t>
             </a:r>
             <a:r>
-              <a:rPr lang="es-EC" sz="2000" b="1" i="1" dirty="0">
+              <a:rPr lang="es-EC" sz="1900" b="1" i="1" dirty="0">
                 <a:latin typeface="Times New Roman" panose="02020603050405020304" pitchFamily="18" charset="0"/>
                 <a:cs typeface="Times New Roman" panose="02020603050405020304" pitchFamily="18" charset="0"/>
               </a:rPr>
               <a:t>división de datos </a:t>
             </a:r>
             <a:r>
-              <a:rPr lang="es-EC" sz="2000" i="1" dirty="0">
+              <a:rPr lang="es-EC" sz="1900" i="1" dirty="0">
                 <a:latin typeface="Times New Roman" panose="02020603050405020304" pitchFamily="18" charset="0"/>
                 <a:cs typeface="Times New Roman" panose="02020603050405020304" pitchFamily="18" charset="0"/>
               </a:rPr>
               <a:t>(se aplicó el 80% para el entrenamiento y el 20% para el test), </a:t>
             </a:r>
             <a:r>
-              <a:rPr lang="es-EC" sz="2000" b="1" i="1" dirty="0">
+              <a:rPr lang="es-EC" sz="1900" b="1" i="1" dirty="0">
                 <a:latin typeface="Times New Roman" panose="02020603050405020304" pitchFamily="18" charset="0"/>
                 <a:cs typeface="Times New Roman" panose="02020603050405020304" pitchFamily="18" charset="0"/>
               </a:rPr>
               <a:t>entrenamiento</a:t>
             </a:r>
             <a:r>
-              <a:rPr lang="es-EC" sz="2000" i="1" dirty="0">
+              <a:rPr lang="es-EC" sz="1900" i="1" dirty="0">
                 <a:latin typeface="Times New Roman" panose="02020603050405020304" pitchFamily="18" charset="0"/>
                 <a:cs typeface="Times New Roman" panose="02020603050405020304" pitchFamily="18" charset="0"/>
               </a:rPr>
               <a:t> (se entrenó los 3 algoritmos de clasificación antes mencionados) y </a:t>
             </a:r>
             <a:r>
-              <a:rPr lang="es-EC" sz="2000" b="1" i="1" dirty="0">
+              <a:rPr lang="es-EC" sz="1900" b="1" i="1" dirty="0">
                 <a:latin typeface="Times New Roman" panose="02020603050405020304" pitchFamily="18" charset="0"/>
                 <a:cs typeface="Times New Roman" panose="02020603050405020304" pitchFamily="18" charset="0"/>
               </a:rPr>
               <a:t>validación de los modelos </a:t>
             </a:r>
             <a:r>
-              <a:rPr lang="es-EC" sz="2000" i="1" dirty="0">
+              <a:rPr lang="es-EC" sz="1900" i="1" dirty="0">
                 <a:latin typeface="Times New Roman" panose="02020603050405020304" pitchFamily="18" charset="0"/>
                 <a:cs typeface="Times New Roman" panose="02020603050405020304" pitchFamily="18" charset="0"/>
               </a:rPr>
-              <a:t>(se recopiló los datos en una tabla con la precisión de predicción de cada algoritmo de clasificación). </a:t>
-            </a:r>
+              <a:t>(se recopiló los datos en una tabla con la precisión de predicción de cada algoritmo de clasificación). Finalmente se obtuvo que la principal causa de defunciones fetales es ocasionada por la enfermedad: Hipoxia intrauterina, no especificada.</a:t>
+            </a:r>
+          </a:p>
+          <a:p>
+            <a:pPr algn="just"/>
+            <a:endParaRPr lang="es-EC" sz="1900" i="1" dirty="0">
+              <a:latin typeface="Times New Roman" panose="02020603050405020304" pitchFamily="18" charset="0"/>
+              <a:cs typeface="Times New Roman" panose="02020603050405020304" pitchFamily="18" charset="0"/>
+            </a:endParaRPr>
           </a:p>
         </p:txBody>
       </p:sp>
@@ -5123,7 +5130,7 @@
         </p:nvSpPr>
         <p:spPr>
           <a:xfrm>
-            <a:off x="329691" y="11088425"/>
+            <a:off x="329691" y="11377181"/>
             <a:ext cx="6689018" cy="523220"/>
           </a:xfrm>
           <a:prstGeom prst="rect">
@@ -5272,7 +5279,7 @@
         </p:nvSpPr>
         <p:spPr>
           <a:xfrm>
-            <a:off x="329691" y="11523054"/>
+            <a:off x="329691" y="11875978"/>
             <a:ext cx="7048871" cy="369332"/>
           </a:xfrm>
           <a:prstGeom prst="rect">
@@ -5331,7 +5338,7 @@
         </p:blipFill>
         <p:spPr>
           <a:xfrm rot="19006429">
-            <a:off x="3703108" y="16709162"/>
+            <a:off x="3703108" y="16725204"/>
             <a:ext cx="587432" cy="587432"/>
           </a:xfrm>
           <a:prstGeom prst="rect">
@@ -5469,7 +5476,7 @@
             <a:pPr algn="just"/>
             <a:r>
               <a:rPr lang="es-EC" sz="2000" dirty="0"/>
-              <a:t>¿Qué tipo de enfermedad causa las defunciones fetales para el año 2020?</a:t>
+              <a:t>¿Cuál es la principal causa que ocasiona las defunciones fetales en el año 2020?</a:t>
             </a:r>
           </a:p>
         </p:txBody>
@@ -5495,7 +5502,7 @@
         </p:blipFill>
         <p:spPr>
           <a:xfrm>
-            <a:off x="306651" y="11955120"/>
+            <a:off x="306651" y="12275960"/>
             <a:ext cx="6712058" cy="1050443"/>
           </a:xfrm>
           <a:prstGeom prst="rect">
@@ -5525,8 +5532,8 @@
         </p:blipFill>
         <p:spPr>
           <a:xfrm>
-            <a:off x="371323" y="13071666"/>
-            <a:ext cx="6625664" cy="1437784"/>
+            <a:off x="700321" y="13183938"/>
+            <a:ext cx="5891595" cy="1278489"/>
           </a:xfrm>
           <a:prstGeom prst="rect">
             <a:avLst/>
@@ -5561,7 +5568,7 @@
         </p:blipFill>
         <p:spPr>
           <a:xfrm>
-            <a:off x="3262402" y="12611879"/>
+            <a:off x="3527096" y="12972825"/>
             <a:ext cx="434633" cy="474145"/>
           </a:xfrm>
           <a:prstGeom prst="rect">
@@ -5685,7 +5692,7 @@
         </p:blipFill>
         <p:spPr>
           <a:xfrm>
-            <a:off x="157713" y="15199218"/>
+            <a:off x="157713" y="15151092"/>
             <a:ext cx="4008735" cy="1699509"/>
           </a:xfrm>
           <a:prstGeom prst="rect">
@@ -5714,7 +5721,7 @@
         </p:blipFill>
         <p:spPr>
           <a:xfrm>
-            <a:off x="3847151" y="17188044"/>
+            <a:off x="3847151" y="17236170"/>
             <a:ext cx="3817406" cy="1686074"/>
           </a:xfrm>
           <a:prstGeom prst="rect">
@@ -5894,42 +5901,6 @@
           </a:prstGeom>
         </p:spPr>
       </p:pic>
-      <p:pic>
-        <p:nvPicPr>
-          <p:cNvPr id="32" name="Imagen 31">
-            <a:extLst>
-              <a:ext uri="{FF2B5EF4-FFF2-40B4-BE49-F238E27FC236}">
-                <a16:creationId xmlns:a16="http://schemas.microsoft.com/office/drawing/2014/main" id="{AF17ED85-CF83-4ADC-8B35-04E5A58AF141}"/>
-              </a:ext>
-            </a:extLst>
-          </p:cNvPr>
-          <p:cNvPicPr>
-            <a:picLocks noChangeAspect="1"/>
-          </p:cNvPicPr>
-          <p:nvPr/>
-        </p:nvPicPr>
-        <p:blipFill>
-          <a:blip r:embed="rId14" cstate="print">
-            <a:extLst>
-              <a:ext uri="{28A0092B-C50C-407E-A947-70E740481C1C}">
-                <a14:useLocalDpi xmlns:a14="http://schemas.microsoft.com/office/drawing/2010/main" val="0"/>
-              </a:ext>
-            </a:extLst>
-          </a:blip>
-          <a:stretch>
-            <a:fillRect/>
-          </a:stretch>
-        </p:blipFill>
-        <p:spPr>
-          <a:xfrm>
-            <a:off x="721311" y="6623624"/>
-            <a:ext cx="6127000" cy="4630969"/>
-          </a:xfrm>
-          <a:prstGeom prst="rect">
-            <a:avLst/>
-          </a:prstGeom>
-        </p:spPr>
-      </p:pic>
       <p:sp>
         <p:nvSpPr>
           <p:cNvPr id="60" name="CuadroTexto 59">
@@ -5987,7 +5958,7 @@
           <p:nvPr/>
         </p:nvPicPr>
         <p:blipFill>
-          <a:blip r:embed="rId15"/>
+          <a:blip r:embed="rId14"/>
           <a:stretch>
             <a:fillRect/>
           </a:stretch>
@@ -6017,7 +5988,7 @@
           <p:nvPr/>
         </p:nvPicPr>
         <p:blipFill>
-          <a:blip r:embed="rId16"/>
+          <a:blip r:embed="rId15"/>
           <a:stretch>
             <a:fillRect/>
           </a:stretch>
@@ -6047,7 +6018,7 @@
           <p:nvPr/>
         </p:nvPicPr>
         <p:blipFill rotWithShape="1">
-          <a:blip r:embed="rId17"/>
+          <a:blip r:embed="rId16"/>
           <a:srcRect l="1179"/>
           <a:stretch/>
         </p:blipFill>
@@ -6076,7 +6047,7 @@
           <p:nvPr/>
         </p:nvPicPr>
         <p:blipFill rotWithShape="1">
-          <a:blip r:embed="rId18"/>
+          <a:blip r:embed="rId17"/>
           <a:srcRect b="28873"/>
           <a:stretch/>
         </p:blipFill>
@@ -6105,7 +6076,7 @@
           <p:nvPr/>
         </p:nvPicPr>
         <p:blipFill rotWithShape="1">
-          <a:blip r:embed="rId19"/>
+          <a:blip r:embed="rId18"/>
           <a:srcRect b="5913"/>
           <a:stretch/>
         </p:blipFill>
@@ -8074,12 +8045,12 @@
                     <a:p>
                       <a:pPr algn="ctr" fontAlgn="ctr"/>
                       <a:r>
-                        <a:rPr lang="es-EC" sz="700" u="none" strike="noStrike">
+                        <a:rPr lang="es-EC" sz="700" u="none" strike="noStrike" dirty="0">
                           <a:effectLst/>
                         </a:rPr>
                         <a:t>Hipoxia intrauterina, no especificada</a:t>
                       </a:r>
-                      <a:endParaRPr lang="es-EC" sz="700" b="0" i="0" u="none" strike="noStrike">
+                      <a:endParaRPr lang="es-EC" sz="700" b="0" i="0" u="none" strike="noStrike" dirty="0">
                         <a:solidFill>
                           <a:srgbClr val="000000"/>
                         </a:solidFill>
@@ -9932,7 +9903,7 @@
           <p:nvPr/>
         </p:nvPicPr>
         <p:blipFill>
-          <a:blip r:embed="rId20"/>
+          <a:blip r:embed="rId19"/>
           <a:stretch>
             <a:fillRect/>
           </a:stretch>
@@ -9962,7 +9933,7 @@
           <p:nvPr/>
         </p:nvPicPr>
         <p:blipFill>
-          <a:blip r:embed="rId21"/>
+          <a:blip r:embed="rId20"/>
           <a:stretch>
             <a:fillRect/>
           </a:stretch>
@@ -9992,7 +9963,7 @@
           <p:nvPr/>
         </p:nvPicPr>
         <p:blipFill>
-          <a:blip r:embed="rId22"/>
+          <a:blip r:embed="rId21"/>
           <a:stretch>
             <a:fillRect/>
           </a:stretch>
@@ -10130,6 +10101,97 @@
           </a:p>
         </p:txBody>
       </p:sp>
+      <p:sp>
+        <p:nvSpPr>
+          <p:cNvPr id="55" name="CuadroTexto 35">
+            <a:extLst>
+              <a:ext uri="{FF2B5EF4-FFF2-40B4-BE49-F238E27FC236}">
+                <a16:creationId xmlns:a16="http://schemas.microsoft.com/office/drawing/2014/main" id="{74B229BC-4E69-4515-870D-7CA7BC1F9852}"/>
+              </a:ext>
+            </a:extLst>
+          </p:cNvPr>
+          <p:cNvSpPr txBox="1"/>
+          <p:nvPr/>
+        </p:nvSpPr>
+        <p:spPr>
+          <a:xfrm>
+            <a:off x="11063745" y="20915895"/>
+            <a:ext cx="4011475" cy="339330"/>
+          </a:xfrm>
+          <a:prstGeom prst="rect">
+            <a:avLst/>
+          </a:prstGeom>
+          <a:noFill/>
+          <a:ln>
+            <a:noFill/>
+          </a:ln>
+        </p:spPr>
+        <p:txBody>
+          <a:bodyPr wrap="square" rtlCol="0">
+            <a:spAutoFit/>
+          </a:bodyPr>
+          <a:lstStyle/>
+          <a:p>
+            <a:pPr algn="just"/>
+            <a:r>
+              <a:rPr lang="es-EC" sz="1600" dirty="0">
+                <a:solidFill>
+                  <a:schemeClr val="bg1"/>
+                </a:solidFill>
+                <a:hlinkClick r:id="rId22">
+                  <a:extLst>
+                    <a:ext uri="{A12FA001-AC4F-418D-AE19-62706E023703}">
+                      <ahyp:hlinkClr xmlns:ahyp="http://schemas.microsoft.com/office/drawing/2018/hyperlinkcolor" val="tx"/>
+                    </a:ext>
+                  </a:extLst>
+                </a:hlinkClick>
+              </a:rPr>
+              <a:t>https://github.com/ms96Armijos/Proyecto_IA</a:t>
+            </a:r>
+            <a:endParaRPr lang="es-EC" sz="1600" dirty="0">
+              <a:solidFill>
+                <a:schemeClr val="bg1"/>
+              </a:solidFill>
+            </a:endParaRPr>
+          </a:p>
+        </p:txBody>
+      </p:sp>
+      <p:pic>
+        <p:nvPicPr>
+          <p:cNvPr id="14" name="Imagen 13">
+            <a:extLst>
+              <a:ext uri="{FF2B5EF4-FFF2-40B4-BE49-F238E27FC236}">
+                <a16:creationId xmlns:a16="http://schemas.microsoft.com/office/drawing/2014/main" id="{350FCDBD-FE82-492E-AF01-CE1230166A0F}"/>
+              </a:ext>
+            </a:extLst>
+          </p:cNvPr>
+          <p:cNvPicPr>
+            <a:picLocks noChangeAspect="1"/>
+          </p:cNvPicPr>
+          <p:nvPr/>
+        </p:nvPicPr>
+        <p:blipFill>
+          <a:blip r:embed="rId23" cstate="print">
+            <a:extLst>
+              <a:ext uri="{28A0092B-C50C-407E-A947-70E740481C1C}">
+                <a14:useLocalDpi xmlns:a14="http://schemas.microsoft.com/office/drawing/2010/main" val="0"/>
+              </a:ext>
+            </a:extLst>
+          </a:blip>
+          <a:stretch>
+            <a:fillRect/>
+          </a:stretch>
+        </p:blipFill>
+        <p:spPr>
+          <a:xfrm>
+            <a:off x="439169" y="6669379"/>
+            <a:ext cx="6665990" cy="4742698"/>
+          </a:xfrm>
+          <a:prstGeom prst="rect">
+            <a:avLst/>
+          </a:prstGeom>
+        </p:spPr>
+      </p:pic>
     </p:spTree>
     <p:extLst>
       <p:ext uri="{BB962C8B-B14F-4D97-AF65-F5344CB8AC3E}">
